--- a/KM/ppt/2019_c++_index.pptx
+++ b/KM/ppt/2019_c++_index.pptx
@@ -208,7 +208,7 @@
             <a:fld id="{5F920F0F-0E56-2B45-B1BF-268524318682}" type="datetimeFigureOut">
               <a:rPr kumimoji="1" lang="zh-CN" altLang="en-US" smtClean="0"/>
               <a:pPr/>
-              <a:t>2019/12/30</a:t>
+              <a:t>2019/12/31</a:t>
             </a:fld>
             <a:endParaRPr kumimoji="1" lang="zh-CN" altLang="en-US"/>
           </a:p>
@@ -284,7 +284,7 @@
     </p:spTree>
     <p:extLst>
       <p:ext uri="{BB962C8B-B14F-4D97-AF65-F5344CB8AC3E}">
-        <p14:creationId xmlns="" xmlns:p14="http://schemas.microsoft.com/office/powerpoint/2010/main" val="3407571201"/>
+        <p14:creationId xmlns:p14="http://schemas.microsoft.com/office/powerpoint/2010/main" xmlns="" val="3407571201"/>
       </p:ext>
     </p:extLst>
   </p:cSld>
@@ -376,7 +376,7 @@
             <a:fld id="{FB86081A-1E41-D34E-AC33-11FD77CCCD8D}" type="datetimeFigureOut">
               <a:rPr kumimoji="1" lang="zh-CN" altLang="en-US" smtClean="0"/>
               <a:pPr/>
-              <a:t>2019/12/30</a:t>
+              <a:t>2019/12/31</a:t>
             </a:fld>
             <a:endParaRPr kumimoji="1" lang="zh-CN" altLang="en-US"/>
           </a:p>
@@ -545,7 +545,7 @@
     </p:spTree>
     <p:extLst>
       <p:ext uri="{BB962C8B-B14F-4D97-AF65-F5344CB8AC3E}">
-        <p14:creationId xmlns="" xmlns:p14="http://schemas.microsoft.com/office/powerpoint/2010/main" val="2106316760"/>
+        <p14:creationId xmlns:p14="http://schemas.microsoft.com/office/powerpoint/2010/main" xmlns="" val="2106316760"/>
       </p:ext>
     </p:extLst>
   </p:cSld>
@@ -927,7 +927,137 @@
               <a:rPr lang="en-US" dirty="0" smtClean="0">
                 <a:hlinkClick r:id="rId3"/>
               </a:rPr>
-              <a:t>http://www.cplusplus.com/reference/vector/vector/</a:t>
+              <a:t>http://feihu.me/blog/2014/sgi-std-sort/</a:t>
+            </a:r>
+            <a:endParaRPr lang="en-US" dirty="0" smtClean="0">
+              <a:hlinkClick r:id="rId4"/>
+            </a:endParaRPr>
+          </a:p>
+          <a:p>
+            <a:r>
+              <a:rPr lang="en-US" dirty="0" smtClean="0">
+                <a:hlinkClick r:id="rId4"/>
+              </a:rPr>
+              <a:t>http</a:t>
+            </a:r>
+            <a:r>
+              <a:rPr lang="en-US" dirty="0" smtClean="0">
+                <a:hlinkClick r:id="rId4"/>
+              </a:rPr>
+              <a:t>://</a:t>
+            </a:r>
+            <a:r>
+              <a:rPr lang="en-US" dirty="0" smtClean="0">
+                <a:hlinkClick r:id="rId4"/>
+              </a:rPr>
+              <a:t>www.cplusplus.com/reference/vector/vector/</a:t>
+            </a:r>
+            <a:endParaRPr lang="en-US" dirty="0" smtClean="0"/>
+          </a:p>
+          <a:p>
+            <a:r>
+              <a:rPr lang="en-US" dirty="0" smtClean="0">
+                <a:hlinkClick r:id="rId5"/>
+              </a:rPr>
+              <a:t>https://zhuanlan.zhihu.com/p/36274119</a:t>
+            </a:r>
+            <a:endParaRPr lang="en-US" dirty="0" smtClean="0"/>
+          </a:p>
+          <a:p>
+            <a:r>
+              <a:rPr lang="en-US" sz="1200" b="0" i="0" kern="1200" dirty="0" smtClean="0">
+                <a:solidFill>
+                  <a:schemeClr val="tx1"/>
+                </a:solidFill>
+                <a:latin typeface="+mn-lt"/>
+                <a:ea typeface="+mn-ea"/>
+                <a:cs typeface="+mn-cs"/>
+              </a:rPr>
+              <a:t>STL</a:t>
+            </a:r>
+            <a:r>
+              <a:rPr lang="zh-CN" altLang="en-US" sz="1200" b="0" i="0" kern="1200" dirty="0" smtClean="0">
+                <a:solidFill>
+                  <a:schemeClr val="tx1"/>
+                </a:solidFill>
+                <a:latin typeface="+mn-lt"/>
+                <a:ea typeface="+mn-ea"/>
+                <a:cs typeface="+mn-cs"/>
+              </a:rPr>
+              <a:t>源码剖析</a:t>
+            </a:r>
+            <a:r>
+              <a:rPr lang="en-US" altLang="zh-CN" sz="1200" b="0" i="0" kern="1200" dirty="0" smtClean="0">
+                <a:solidFill>
+                  <a:schemeClr val="tx1"/>
+                </a:solidFill>
+                <a:latin typeface="+mn-lt"/>
+                <a:ea typeface="+mn-ea"/>
+                <a:cs typeface="+mn-cs"/>
+              </a:rPr>
+              <a:t>STL</a:t>
+            </a:r>
+            <a:r>
+              <a:rPr lang="zh-CN" altLang="en-US" sz="1200" b="0" i="0" kern="1200" dirty="0" smtClean="0">
+                <a:solidFill>
+                  <a:schemeClr val="tx1"/>
+                </a:solidFill>
+                <a:latin typeface="+mn-lt"/>
+                <a:ea typeface="+mn-ea"/>
+                <a:cs typeface="+mn-cs"/>
+              </a:rPr>
+              <a:t>源码剖析简体中文完整版</a:t>
+            </a:r>
+            <a:r>
+              <a:rPr lang="en-US" altLang="zh-CN" sz="1200" b="0" i="0" kern="1200" dirty="0" smtClean="0">
+                <a:solidFill>
+                  <a:schemeClr val="tx1"/>
+                </a:solidFill>
+                <a:latin typeface="+mn-lt"/>
+                <a:ea typeface="+mn-ea"/>
+                <a:cs typeface="+mn-cs"/>
+              </a:rPr>
+              <a:t>(</a:t>
+            </a:r>
+            <a:r>
+              <a:rPr lang="zh-CN" altLang="en-US" sz="1200" b="0" i="0" kern="1200" dirty="0" smtClean="0">
+                <a:solidFill>
+                  <a:schemeClr val="tx1"/>
+                </a:solidFill>
+                <a:latin typeface="+mn-lt"/>
+                <a:ea typeface="+mn-ea"/>
+                <a:cs typeface="+mn-cs"/>
+              </a:rPr>
+              <a:t>清晰扫描带目录</a:t>
+            </a:r>
+            <a:r>
+              <a:rPr lang="en-US" altLang="zh-CN" sz="1200" b="0" i="0" kern="1200" dirty="0" smtClean="0">
+                <a:solidFill>
+                  <a:schemeClr val="tx1"/>
+                </a:solidFill>
+                <a:latin typeface="+mn-lt"/>
+                <a:ea typeface="+mn-ea"/>
+                <a:cs typeface="+mn-cs"/>
+              </a:rPr>
+              <a:t>)</a:t>
+            </a:r>
+          </a:p>
+          <a:p>
+            <a:endParaRPr lang="en-US" altLang="zh-CN" sz="1200" b="0" i="0" kern="1200" dirty="0" smtClean="0">
+              <a:solidFill>
+                <a:schemeClr val="tx1"/>
+              </a:solidFill>
+              <a:latin typeface="+mn-lt"/>
+              <a:ea typeface="+mn-ea"/>
+              <a:cs typeface="+mn-cs"/>
+            </a:endParaRPr>
+          </a:p>
+          <a:p>
+            <a:r>
+              <a:rPr lang="en-US" dirty="0" smtClean="0">
+                <a:hlinkClick r:id="rId6"/>
+              </a:rPr>
+              <a:t>http://www.cplusplus.com/reference/vector/vector/erase/</a:t>
             </a:r>
             <a:endParaRPr lang="zh-CN" altLang="en-US" dirty="0"/>
           </a:p>
@@ -1467,7 +1597,7 @@
           <a:blip r:embed="rId2">
             <a:extLst>
               <a:ext uri="{28A0092B-C50C-407E-A947-70E740481C1C}">
-                <a14:useLocalDpi xmlns="" xmlns:a14="http://schemas.microsoft.com/office/drawing/2010/main" val="0"/>
+                <a14:useLocalDpi xmlns:a14="http://schemas.microsoft.com/office/drawing/2010/main" xmlns="" val="0"/>
               </a:ext>
             </a:extLst>
           </a:blip>
@@ -1756,7 +1886,7 @@
           <a:blip r:embed="rId3">
             <a:extLst>
               <a:ext uri="{28A0092B-C50C-407E-A947-70E740481C1C}">
-                <a14:useLocalDpi xmlns="" xmlns:a14="http://schemas.microsoft.com/office/drawing/2010/main" val="0"/>
+                <a14:useLocalDpi xmlns:a14="http://schemas.microsoft.com/office/drawing/2010/main" xmlns="" val="0"/>
               </a:ext>
             </a:extLst>
           </a:blip>
@@ -2052,7 +2182,7 @@
           <a:blip r:embed="rId2">
             <a:extLst>
               <a:ext uri="{28A0092B-C50C-407E-A947-70E740481C1C}">
-                <a14:useLocalDpi xmlns="" xmlns:a14="http://schemas.microsoft.com/office/drawing/2010/main" val="0"/>
+                <a14:useLocalDpi xmlns:a14="http://schemas.microsoft.com/office/drawing/2010/main" xmlns="" val="0"/>
               </a:ext>
             </a:extLst>
           </a:blip>
@@ -2082,7 +2212,7 @@
           <a:blip r:embed="rId3">
             <a:extLst>
               <a:ext uri="{28A0092B-C50C-407E-A947-70E740481C1C}">
-                <a14:useLocalDpi xmlns="" xmlns:a14="http://schemas.microsoft.com/office/drawing/2010/main" val="0"/>
+                <a14:useLocalDpi xmlns:a14="http://schemas.microsoft.com/office/drawing/2010/main" xmlns="" val="0"/>
               </a:ext>
             </a:extLst>
           </a:blip>
@@ -2354,7 +2484,7 @@
           <a:blip r:embed="rId2">
             <a:extLst>
               <a:ext uri="{28A0092B-C50C-407E-A947-70E740481C1C}">
-                <a14:useLocalDpi xmlns="" xmlns:a14="http://schemas.microsoft.com/office/drawing/2010/main" val="0"/>
+                <a14:useLocalDpi xmlns:a14="http://schemas.microsoft.com/office/drawing/2010/main" xmlns="" val="0"/>
               </a:ext>
             </a:extLst>
           </a:blip>
@@ -2384,7 +2514,7 @@
           <a:blip r:embed="rId3">
             <a:extLst>
               <a:ext uri="{28A0092B-C50C-407E-A947-70E740481C1C}">
-                <a14:useLocalDpi xmlns="" xmlns:a14="http://schemas.microsoft.com/office/drawing/2010/main" val="0"/>
+                <a14:useLocalDpi xmlns:a14="http://schemas.microsoft.com/office/drawing/2010/main" xmlns="" val="0"/>
               </a:ext>
             </a:extLst>
           </a:blip>
@@ -2720,7 +2850,7 @@
           <a:blip r:embed="rId2">
             <a:extLst>
               <a:ext uri="{28A0092B-C50C-407E-A947-70E740481C1C}">
-                <a14:useLocalDpi xmlns="" xmlns:a14="http://schemas.microsoft.com/office/drawing/2010/main" val="0"/>
+                <a14:useLocalDpi xmlns:a14="http://schemas.microsoft.com/office/drawing/2010/main" xmlns="" val="0"/>
               </a:ext>
             </a:extLst>
           </a:blip>
@@ -2750,7 +2880,7 @@
           <a:blip r:embed="rId3">
             <a:extLst>
               <a:ext uri="{28A0092B-C50C-407E-A947-70E740481C1C}">
-                <a14:useLocalDpi xmlns="" xmlns:a14="http://schemas.microsoft.com/office/drawing/2010/main" val="0"/>
+                <a14:useLocalDpi xmlns:a14="http://schemas.microsoft.com/office/drawing/2010/main" xmlns="" val="0"/>
               </a:ext>
             </a:extLst>
           </a:blip>
@@ -3065,7 +3195,7 @@
           <a:blip r:embed="rId2">
             <a:extLst>
               <a:ext uri="{28A0092B-C50C-407E-A947-70E740481C1C}">
-                <a14:useLocalDpi xmlns="" xmlns:a14="http://schemas.microsoft.com/office/drawing/2010/main" val="0"/>
+                <a14:useLocalDpi xmlns:a14="http://schemas.microsoft.com/office/drawing/2010/main" xmlns="" val="0"/>
               </a:ext>
             </a:extLst>
           </a:blip>
@@ -3095,7 +3225,7 @@
           <a:blip r:embed="rId3">
             <a:extLst>
               <a:ext uri="{28A0092B-C50C-407E-A947-70E740481C1C}">
-                <a14:useLocalDpi xmlns="" xmlns:a14="http://schemas.microsoft.com/office/drawing/2010/main" val="0"/>
+                <a14:useLocalDpi xmlns:a14="http://schemas.microsoft.com/office/drawing/2010/main" xmlns="" val="0"/>
               </a:ext>
             </a:extLst>
           </a:blip>
@@ -3287,7 +3417,7 @@
             <a:fld id="{7BC3C6E0-25AE-8A44-A617-CADD813DE539}" type="datetime1">
               <a:rPr lang="zh-CN" altLang="en-US" smtClean="0"/>
               <a:pPr/>
-              <a:t>2019/12/30</a:t>
+              <a:t>2019/12/31</a:t>
             </a:fld>
             <a:endParaRPr lang="zh-CN" altLang="en-US" dirty="0"/>
           </a:p>
@@ -3511,7 +3641,7 @@
           <a:blip r:embed="rId2">
             <a:extLst>
               <a:ext uri="{28A0092B-C50C-407E-A947-70E740481C1C}">
-                <a14:useLocalDpi xmlns="" xmlns:a14="http://schemas.microsoft.com/office/drawing/2010/main" val="0"/>
+                <a14:useLocalDpi xmlns:a14="http://schemas.microsoft.com/office/drawing/2010/main" xmlns="" val="0"/>
               </a:ext>
             </a:extLst>
           </a:blip>
@@ -3697,7 +3827,7 @@
             <a:fld id="{B8DE94C4-0AC0-E74D-83DE-D1778C094258}" type="datetime1">
               <a:rPr lang="zh-CN" altLang="en-US" smtClean="0"/>
               <a:pPr/>
-              <a:t>2019/12/30</a:t>
+              <a:t>2019/12/31</a:t>
             </a:fld>
             <a:endParaRPr lang="zh-CN" altLang="en-US" dirty="0"/>
           </a:p>
@@ -5325,116 +5455,188 @@
         </p:nvSpPr>
         <p:spPr/>
         <p:txBody>
-          <a:bodyPr/>
+          <a:bodyPr>
+            <a:normAutofit lnSpcReduction="10000"/>
+          </a:bodyPr>
           <a:lstStyle/>
-          <a:p>
-            <a:r>
-              <a:rPr lang="en-US" b="1" i="1" dirty="0" smtClean="0"/>
-              <a:t>Sequence </a:t>
-            </a:r>
-            <a:r>
-              <a:rPr b="1" i="1" dirty="0" smtClean="0"/>
-              <a:t>顺序容器（没有分）</a:t>
-            </a:r>
-            <a:endParaRPr lang="en-US" b="1" i="1" dirty="0" smtClean="0"/>
-          </a:p>
-          <a:p>
-            <a:r>
-              <a:rPr lang="en-US" b="1" i="1" dirty="0"/>
-              <a:t>Dynamic </a:t>
-            </a:r>
-            <a:r>
-              <a:rPr lang="en-US" b="1" i="1" dirty="0" smtClean="0"/>
-              <a:t>array </a:t>
-            </a:r>
-            <a:r>
-              <a:rPr lang="en-US" b="1" i="1" dirty="0"/>
-              <a:t> </a:t>
-            </a:r>
-            <a:r>
-              <a:rPr b="1" i="1" dirty="0" smtClean="0"/>
-              <a:t>数组特点（</a:t>
-            </a:r>
-            <a:r>
-              <a:rPr lang="en-US" b="1" i="1" dirty="0" smtClean="0"/>
-              <a:t>10  </a:t>
-            </a:r>
-            <a:r>
-              <a:rPr lang="en-US" altLang="zh-CN" b="1" i="1" dirty="0" err="1" smtClean="0"/>
-              <a:t>delte</a:t>
-            </a:r>
-            <a:r>
-              <a:rPr lang="en-US" altLang="zh-CN" b="1" i="1" dirty="0" smtClean="0"/>
-              <a:t>[]</a:t>
-            </a:r>
-            <a:r>
-              <a:rPr lang="en-US" altLang="zh-CN" b="1" i="1" dirty="0" err="1" smtClean="0"/>
-              <a:t>ptr</a:t>
-            </a:r>
-            <a:r>
-              <a:rPr b="1" i="1" dirty="0" smtClean="0"/>
-              <a:t>）</a:t>
-            </a:r>
-            <a:endParaRPr lang="en-US" b="1" i="1" dirty="0" smtClean="0"/>
-          </a:p>
-          <a:p>
-            <a:r>
-              <a:rPr lang="en-US" b="1" i="1" dirty="0" smtClean="0"/>
-              <a:t>Allocator-aware </a:t>
-            </a:r>
-            <a:r>
-              <a:rPr b="1" i="1" dirty="0" smtClean="0"/>
-              <a:t>分配器（</a:t>
-            </a:r>
-            <a:r>
-              <a:rPr lang="en-US" b="1" i="1" dirty="0" smtClean="0"/>
-              <a:t>10  </a:t>
-            </a:r>
-            <a:r>
-              <a:rPr b="1" i="1" dirty="0" smtClean="0"/>
-              <a:t>）</a:t>
-            </a:r>
-            <a:endParaRPr lang="en-US" b="1" i="1" dirty="0" smtClean="0"/>
-          </a:p>
           <a:p>
             <a:pPr>
               <a:buNone/>
             </a:pPr>
-            <a:r>
-              <a:rPr lang="en-US" dirty="0"/>
-              <a:t>The container uses an allocator object to dynamically handle its storage </a:t>
-            </a:r>
-            <a:r>
-              <a:rPr lang="en-US" dirty="0" smtClean="0"/>
-              <a:t>needs</a:t>
-            </a:r>
+            <a:endParaRPr lang="en-US" b="1" i="1" dirty="0" smtClean="0"/>
+          </a:p>
+          <a:p>
+            <a:pPr>
+              <a:buFont typeface="+mj-lt"/>
+              <a:buAutoNum type="arabicPeriod"/>
+            </a:pPr>
+            <a:r>
+              <a:rPr lang="en-US" b="1" i="1" dirty="0" err="1" smtClean="0"/>
+              <a:t>DynamicSequence</a:t>
+            </a:r>
+            <a:r>
+              <a:rPr lang="en-US" b="1" i="1" dirty="0" smtClean="0"/>
+              <a:t> </a:t>
+            </a:r>
+            <a:r>
+              <a:rPr b="1" i="1" dirty="0"/>
+              <a:t>顺序容器（没有分</a:t>
+            </a:r>
+            <a:r>
+              <a:rPr lang="en-US" b="1" i="1" dirty="0" smtClean="0"/>
+              <a:t>array  </a:t>
+            </a:r>
+            <a:r>
+              <a:rPr b="1" i="1" dirty="0" smtClean="0"/>
+              <a:t>数组特点（</a:t>
+            </a:r>
+            <a:r>
+              <a:rPr lang="en-US" b="1" i="1" dirty="0" smtClean="0"/>
+              <a:t>10  </a:t>
+            </a:r>
+            <a:r>
+              <a:rPr lang="en-US" altLang="zh-CN" b="1" i="1" dirty="0" err="1" smtClean="0"/>
+              <a:t>delte</a:t>
+            </a:r>
+            <a:r>
+              <a:rPr lang="en-US" altLang="zh-CN" b="1" i="1" dirty="0" smtClean="0"/>
+              <a:t>[]</a:t>
+            </a:r>
+            <a:r>
+              <a:rPr lang="en-US" altLang="zh-CN" b="1" i="1" dirty="0" err="1" smtClean="0"/>
+              <a:t>ptr</a:t>
+            </a:r>
+            <a:r>
+              <a:rPr b="1" i="1" dirty="0" smtClean="0"/>
+              <a:t>）</a:t>
+            </a:r>
+            <a:endParaRPr lang="en-US" b="1" i="1" dirty="0" smtClean="0"/>
+          </a:p>
+          <a:p>
+            <a:pPr>
+              <a:buFont typeface="+mj-lt"/>
+              <a:buAutoNum type="arabicPeriod"/>
+            </a:pPr>
+            <a:r>
+              <a:rPr lang="en-US" b="1" i="1" dirty="0" smtClean="0"/>
+              <a:t>Allocator-aware </a:t>
+            </a:r>
+            <a:r>
+              <a:rPr b="1" i="1" dirty="0" smtClean="0"/>
+              <a:t>分配器（</a:t>
+            </a:r>
+            <a:r>
+              <a:rPr lang="en-US" b="1" i="1" dirty="0" smtClean="0"/>
+              <a:t>10  </a:t>
+            </a:r>
+            <a:r>
+              <a:rPr b="1" i="1" dirty="0" smtClean="0"/>
+              <a:t>）</a:t>
+            </a:r>
+            <a:endParaRPr lang="en-US" b="1" i="1" dirty="0" smtClean="0"/>
           </a:p>
           <a:p>
             <a:pPr>
               <a:buNone/>
             </a:pPr>
-            <a:endParaRPr lang="en-US" altLang="zh-CN" dirty="0" smtClean="0"/>
+            <a:r>
+              <a:rPr lang="en-US" altLang="zh-CN" dirty="0" err="1">
+                <a:solidFill>
+                  <a:srgbClr val="FF0000"/>
+                </a:solidFill>
+              </a:rPr>
+              <a:t>stl</a:t>
+            </a:r>
+            <a:r>
+              <a:rPr dirty="0">
+                <a:solidFill>
+                  <a:srgbClr val="FF0000"/>
+                </a:solidFill>
+              </a:rPr>
+              <a:t>的内存分配和回收机制</a:t>
+            </a:r>
           </a:p>
           <a:p>
             <a:pPr>
               <a:buNone/>
             </a:pPr>
             <a:r>
-              <a:rPr lang="en-US" altLang="zh-CN" dirty="0" err="1" smtClean="0">
-                <a:solidFill>
-                  <a:srgbClr val="FF0000"/>
-                </a:solidFill>
-              </a:rPr>
-              <a:t>stl</a:t>
-            </a:r>
-            <a:r>
-              <a:rPr dirty="0">
-                <a:solidFill>
-                  <a:srgbClr val="FF0000"/>
-                </a:solidFill>
-              </a:rPr>
-              <a:t>的内存分配和回收机制</a:t>
-            </a:r>
+              <a:rPr lang="en-US" dirty="0"/>
+              <a:t>The container uses an allocator object to dynamically handle its storage needs</a:t>
+            </a:r>
+          </a:p>
+          <a:p>
+            <a:pPr>
+              <a:buNone/>
+            </a:pPr>
+            <a:endParaRPr lang="en-US" b="1" i="1" dirty="0" smtClean="0"/>
+          </a:p>
+          <a:p>
+            <a:pPr>
+              <a:buNone/>
+            </a:pPr>
+            <a:r>
+              <a:rPr lang="en-US" b="1" i="1" dirty="0" smtClean="0"/>
+              <a:t>3. </a:t>
+            </a:r>
+            <a:r>
+              <a:rPr b="1" i="1" dirty="0" smtClean="0"/>
+              <a:t>需要</a:t>
+            </a:r>
+            <a:r>
+              <a:rPr lang="en-US" altLang="zh-CN" b="1" i="1" dirty="0" smtClean="0"/>
+              <a:t>sort</a:t>
+            </a:r>
+            <a:r>
+              <a:rPr b="1" i="1" dirty="0" smtClean="0"/>
+              <a:t>来排序 （不能全部重复）</a:t>
+            </a:r>
+            <a:endParaRPr lang="en-US" b="1" i="1" dirty="0" smtClean="0"/>
+          </a:p>
+          <a:p>
+            <a:pPr>
+              <a:buNone/>
+            </a:pPr>
+            <a:r>
+              <a:rPr lang="en-US" b="1" dirty="0" smtClean="0"/>
+              <a:t>  STL</a:t>
+            </a:r>
+            <a:r>
+              <a:rPr b="1" dirty="0"/>
+              <a:t>里</a:t>
+            </a:r>
+            <a:r>
+              <a:rPr lang="en-US" b="1" dirty="0"/>
+              <a:t>sort</a:t>
+            </a:r>
+            <a:r>
+              <a:rPr b="1" dirty="0"/>
+              <a:t>算法用的是什么排序算法</a:t>
+            </a:r>
+          </a:p>
+          <a:p>
+            <a:pPr>
+              <a:buNone/>
+            </a:pPr>
+            <a:r>
+              <a:rPr b="1" i="1" dirty="0" smtClean="0"/>
+              <a:t>快速排序 递归改为非递归</a:t>
+            </a:r>
+            <a:endParaRPr lang="en-US" b="1" i="1" dirty="0" smtClean="0"/>
+          </a:p>
+          <a:p>
+            <a:pPr>
+              <a:buNone/>
+            </a:pPr>
+            <a:r>
+              <a:rPr lang="en-US" b="1" i="1" dirty="0" smtClean="0"/>
+              <a:t>4 .</a:t>
+            </a:r>
+          </a:p>
+          <a:p>
+            <a:pPr>
+              <a:buNone/>
+            </a:pPr>
             <a:endParaRPr lang="zh-CN" altLang="en-US" dirty="0">
               <a:solidFill>
                 <a:srgbClr val="FF0000"/>
@@ -5539,17 +5741,24 @@
               <a:t>平衡二叉查找树</a:t>
             </a:r>
             <a:r>
-              <a:rPr lang="en-US" i="1" dirty="0"/>
-              <a:t>binary search trees </a:t>
-            </a:r>
-            <a:r>
-              <a:rPr lang="en-US" i="1" dirty="0" smtClean="0"/>
-              <a:t> </a:t>
-            </a:r>
-            <a:r>
-              <a:rPr lang="en-US" dirty="0" smtClean="0"/>
-              <a:t>RB-tree</a:t>
-            </a:r>
+              <a:rPr lang="en-US" u="sng" dirty="0" smtClean="0">
+                <a:hlinkClick r:id="rId3"/>
+              </a:rPr>
+              <a:t>balancing </a:t>
+            </a:r>
+            <a:r>
+              <a:rPr lang="en-US" u="sng" dirty="0">
+                <a:hlinkClick r:id="rId3"/>
+              </a:rPr>
+              <a:t>binary search </a:t>
+            </a:r>
+            <a:r>
+              <a:rPr lang="en-US" u="sng" dirty="0" smtClean="0">
+                <a:hlinkClick r:id="rId3"/>
+              </a:rPr>
+              <a:t>tree</a:t>
+            </a:r>
+            <a:endParaRPr lang="en-US" dirty="0" smtClean="0"/>
           </a:p>
           <a:p>
             <a:r>
@@ -5599,6 +5808,17 @@
             <a:r>
               <a:rPr dirty="0" smtClean="0"/>
               <a:t>对</a:t>
+            </a:r>
+            <a:endParaRPr lang="en-US" dirty="0" smtClean="0"/>
+          </a:p>
+          <a:p>
+            <a:pPr>
+              <a:buFont typeface="+mj-lt"/>
+              <a:buAutoNum type="arabicPeriod"/>
+            </a:pPr>
+            <a:r>
+              <a:rPr lang="en-US" altLang="zh-CN" dirty="0" smtClean="0"/>
+              <a:t>Insert /[]</a:t>
             </a:r>
             <a:endParaRPr lang="en-US" dirty="0"/>
           </a:p>
@@ -5698,7 +5918,7 @@
         <p:spPr/>
         <p:txBody>
           <a:bodyPr>
-            <a:normAutofit/>
+            <a:normAutofit fontScale="85000" lnSpcReduction="20000"/>
           </a:bodyPr>
           <a:lstStyle/>
           <a:p>
@@ -5771,6 +5991,10 @@
               <a:buAutoNum type="arabicPeriod"/>
             </a:pPr>
             <a:r>
+              <a:rPr lang="en-US" b="1" i="1" dirty="0" smtClean="0"/>
+              <a:t>Map </a:t>
+            </a:r>
+            <a:r>
               <a:rPr dirty="0" smtClean="0"/>
               <a:t>重复</a:t>
             </a:r>
@@ -5782,6 +6006,55 @@
               <a:rPr dirty="0" smtClean="0"/>
               <a:t>对</a:t>
             </a:r>
+            <a:endParaRPr lang="en-US" dirty="0" smtClean="0"/>
+          </a:p>
+          <a:p>
+            <a:pPr>
+              <a:buFont typeface="+mj-lt"/>
+              <a:buAutoNum type="arabicPeriod"/>
+            </a:pPr>
+            <a:r>
+              <a:rPr lang="en-US" dirty="0"/>
+              <a:t>Unique </a:t>
+            </a:r>
+            <a:r>
+              <a:rPr lang="en-US" dirty="0" smtClean="0"/>
+              <a:t>keys</a:t>
+            </a:r>
+          </a:p>
+          <a:p>
+            <a:pPr>
+              <a:buFont typeface="+mj-lt"/>
+              <a:buAutoNum type="arabicPeriod"/>
+            </a:pPr>
+            <a:r>
+              <a:rPr lang="en-US" dirty="0" smtClean="0"/>
+              <a:t>Allocator-aware</a:t>
+            </a:r>
+          </a:p>
+          <a:p>
+            <a:pPr>
+              <a:buFont typeface="+mj-lt"/>
+              <a:buAutoNum type="arabicPeriod"/>
+            </a:pPr>
+            <a:r>
+              <a:rPr lang="en-US" b="1" i="1" dirty="0"/>
+              <a:t>Ordered</a:t>
+            </a:r>
+            <a:r>
+              <a:rPr lang="en-US" dirty="0"/>
+              <a:t/>
+            </a:r>
+            <a:br>
+              <a:rPr lang="en-US" dirty="0"/>
+            </a:br>
+            <a:r>
+              <a:rPr lang="en-US" dirty="0"/>
+              <a:t/>
+            </a:r>
+            <a:br>
+              <a:rPr lang="en-US" dirty="0"/>
+            </a:br>
             <a:endParaRPr lang="en-US" dirty="0"/>
           </a:p>
           <a:p>
@@ -5956,12 +6229,8 @@
           </a:p>
           <a:p>
             <a:pPr marL="800100" lvl="1" indent="-342900">
-              <a:buNone/>
+              <a:buAutoNum type="arabicPeriod" startAt="2"/>
             </a:pPr>
-            <a:r>
-              <a:rPr lang="en-US" altLang="zh-CN" dirty="0" smtClean="0"/>
-              <a:t>2.  </a:t>
-            </a:r>
             <a:r>
               <a:rPr dirty="0" smtClean="0"/>
               <a:t>在</a:t>
@@ -5981,6 +6250,25 @@
             <a:r>
               <a:rPr dirty="0" smtClean="0"/>
               <a:t>查找速度</a:t>
+            </a:r>
+            <a:endParaRPr lang="en-US" dirty="0" smtClean="0"/>
+          </a:p>
+          <a:p>
+            <a:pPr marL="800100" lvl="1" indent="-342900">
+              <a:buFont typeface="Arial" panose="020B0604020202020204" pitchFamily="34" charset="0"/>
+              <a:buAutoNum type="arabicPeriod" startAt="2"/>
+            </a:pPr>
+            <a:r>
+              <a:rPr lang="en-US" b="1" dirty="0" smtClean="0"/>
+              <a:t>Erase </a:t>
+            </a:r>
+            <a:r>
+              <a:rPr lang="en-US" b="1" dirty="0"/>
+              <a:t> </a:t>
+            </a:r>
+            <a:r>
+              <a:rPr b="1" smtClean="0"/>
+              <a:t>不实效 和失效</a:t>
             </a:r>
             <a:endParaRPr lang="en-US" altLang="en-US" dirty="0" smtClean="0"/>
           </a:p>
@@ -6369,7 +6657,7 @@
   <a:extraClrSchemeLst/>
   <a:extLst>
     <a:ext uri="{05A4C25C-085E-4340-85A3-A5531E510DB2}">
-      <thm15:themeFamily xmlns:thm15="http://schemas.microsoft.com/office/thememl/2012/main" xmlns="" name="Office Theme" id="{62F939B6-93AF-4DB8-9C6B-D6C7DFDC589F}" vid="{4A3C46E8-61CC-4603-A589-7422A47A8E4A}"/>
+      <thm15:themeFamily xmlns="" xmlns:thm15="http://schemas.microsoft.com/office/thememl/2012/main" name="Office Theme" id="{62F939B6-93AF-4DB8-9C6B-D6C7DFDC589F}" vid="{4A3C46E8-61CC-4603-A589-7422A47A8E4A}"/>
     </a:ext>
   </a:extLst>
 </a:theme>
@@ -6630,7 +6918,7 @@
   <a:extraClrSchemeLst/>
   <a:extLst>
     <a:ext uri="{05A4C25C-085E-4340-85A3-A5531E510DB2}">
-      <thm15:themeFamily xmlns:thm15="http://schemas.microsoft.com/office/thememl/2012/main" xmlns="" name="Office Theme" id="{62F939B6-93AF-4DB8-9C6B-D6C7DFDC589F}" vid="{4A3C46E8-61CC-4603-A589-7422A47A8E4A}"/>
+      <thm15:themeFamily xmlns="" xmlns:thm15="http://schemas.microsoft.com/office/thememl/2012/main" name="Office Theme" id="{62F939B6-93AF-4DB8-9C6B-D6C7DFDC589F}" vid="{4A3C46E8-61CC-4603-A589-7422A47A8E4A}"/>
     </a:ext>
   </a:extLst>
 </a:theme>

--- a/KM/ppt/2019_c++_index.pptx
+++ b/KM/ppt/2019_c++_index.pptx
@@ -5,10 +5,10 @@
     <p:sldMasterId id="2147483648" r:id="rId1"/>
   </p:sldMasterIdLst>
   <p:notesMasterIdLst>
-    <p:notesMasterId r:id="rId15"/>
+    <p:notesMasterId r:id="rId16"/>
   </p:notesMasterIdLst>
   <p:handoutMasterIdLst>
-    <p:handoutMasterId r:id="rId16"/>
+    <p:handoutMasterId r:id="rId17"/>
   </p:handoutMasterIdLst>
   <p:sldIdLst>
     <p:sldId id="273" r:id="rId2"/>
@@ -23,7 +23,8 @@
     <p:sldId id="281" r:id="rId11"/>
     <p:sldId id="282" r:id="rId12"/>
     <p:sldId id="283" r:id="rId13"/>
-    <p:sldId id="277" r:id="rId14"/>
+    <p:sldId id="287" r:id="rId14"/>
+    <p:sldId id="277" r:id="rId15"/>
   </p:sldIdLst>
   <p:sldSz cx="9144000" cy="5143500" type="screen16x9"/>
   <p:notesSz cx="6858000" cy="9144000"/>
@@ -208,7 +209,7 @@
             <a:fld id="{5F920F0F-0E56-2B45-B1BF-268524318682}" type="datetimeFigureOut">
               <a:rPr kumimoji="1" lang="zh-CN" altLang="en-US" smtClean="0"/>
               <a:pPr/>
-              <a:t>2019/12/31</a:t>
+              <a:t>2020/1/3</a:t>
             </a:fld>
             <a:endParaRPr kumimoji="1" lang="zh-CN" altLang="en-US"/>
           </a:p>
@@ -284,7 +285,7 @@
     </p:spTree>
     <p:extLst>
       <p:ext uri="{BB962C8B-B14F-4D97-AF65-F5344CB8AC3E}">
-        <p14:creationId xmlns:p14="http://schemas.microsoft.com/office/powerpoint/2010/main" xmlns="" val="3407571201"/>
+        <p14:creationId xmlns="" xmlns:p14="http://schemas.microsoft.com/office/powerpoint/2010/main" val="3407571201"/>
       </p:ext>
     </p:extLst>
   </p:cSld>
@@ -376,7 +377,7 @@
             <a:fld id="{FB86081A-1E41-D34E-AC33-11FD77CCCD8D}" type="datetimeFigureOut">
               <a:rPr kumimoji="1" lang="zh-CN" altLang="en-US" smtClean="0"/>
               <a:pPr/>
-              <a:t>2019/12/31</a:t>
+              <a:t>2020/1/3</a:t>
             </a:fld>
             <a:endParaRPr kumimoji="1" lang="zh-CN" altLang="en-US"/>
           </a:p>
@@ -545,7 +546,7 @@
     </p:spTree>
     <p:extLst>
       <p:ext uri="{BB962C8B-B14F-4D97-AF65-F5344CB8AC3E}">
-        <p14:creationId xmlns:p14="http://schemas.microsoft.com/office/powerpoint/2010/main" xmlns="" val="2106316760"/>
+        <p14:creationId xmlns="" xmlns:p14="http://schemas.microsoft.com/office/powerpoint/2010/main" val="2106316760"/>
       </p:ext>
     </p:extLst>
   </p:cSld>
@@ -938,19 +939,7 @@
               <a:rPr lang="en-US" dirty="0" smtClean="0">
                 <a:hlinkClick r:id="rId4"/>
               </a:rPr>
-              <a:t>http</a:t>
-            </a:r>
-            <a:r>
-              <a:rPr lang="en-US" dirty="0" smtClean="0">
-                <a:hlinkClick r:id="rId4"/>
-              </a:rPr>
-              <a:t>://</a:t>
-            </a:r>
-            <a:r>
-              <a:rPr lang="en-US" dirty="0" smtClean="0">
-                <a:hlinkClick r:id="rId4"/>
-              </a:rPr>
-              <a:t>www.cplusplus.com/reference/vector/vector/</a:t>
+              <a:t>http://www.cplusplus.com/reference/vector/vector/</a:t>
             </a:r>
             <a:endParaRPr lang="en-US" dirty="0" smtClean="0"/>
           </a:p>
@@ -1555,6 +1544,117 @@
               <a:rPr kumimoji="1" lang="zh-CN" altLang="en-US" smtClean="0"/>
               <a:pPr/>
               <a:t>11</a:t>
+            </a:fld>
+            <a:endParaRPr kumimoji="1" lang="zh-CN" altLang="en-US"/>
+          </a:p>
+        </p:txBody>
+      </p:sp>
+    </p:spTree>
+  </p:cSld>
+  <p:clrMapOvr>
+    <a:masterClrMapping/>
+  </p:clrMapOvr>
+</p:notes>
+</file>
+
+<file path=ppt/notesSlides/notesSlide8.xml><?xml version="1.0" encoding="utf-8"?>
+<p:notes xmlns:a="http://schemas.openxmlformats.org/drawingml/2006/main" xmlns:r="http://schemas.openxmlformats.org/officeDocument/2006/relationships" xmlns:p="http://schemas.openxmlformats.org/presentationml/2006/main">
+  <p:cSld>
+    <p:spTree>
+      <p:nvGrpSpPr>
+        <p:cNvPr id="1" name=""/>
+        <p:cNvGrpSpPr/>
+        <p:nvPr/>
+      </p:nvGrpSpPr>
+      <p:grpSpPr>
+        <a:xfrm>
+          <a:off x="0" y="0"/>
+          <a:ext cx="0" cy="0"/>
+          <a:chOff x="0" y="0"/>
+          <a:chExt cx="0" cy="0"/>
+        </a:xfrm>
+      </p:grpSpPr>
+      <p:sp>
+        <p:nvSpPr>
+          <p:cNvPr id="2" name="幻灯片图像占位符 1"/>
+          <p:cNvSpPr>
+            <a:spLocks noGrp="1" noRot="1" noChangeAspect="1"/>
+          </p:cNvSpPr>
+          <p:nvPr>
+            <p:ph type="sldImg"/>
+          </p:nvPr>
+        </p:nvSpPr>
+        <p:spPr/>
+      </p:sp>
+      <p:sp>
+        <p:nvSpPr>
+          <p:cNvPr id="3" name="备注占位符 2"/>
+          <p:cNvSpPr>
+            <a:spLocks noGrp="1"/>
+          </p:cNvSpPr>
+          <p:nvPr>
+            <p:ph type="body" idx="1"/>
+          </p:nvPr>
+        </p:nvSpPr>
+        <p:spPr/>
+        <p:txBody>
+          <a:bodyPr>
+            <a:normAutofit/>
+          </a:bodyPr>
+          <a:lstStyle/>
+          <a:p>
+            <a:r>
+              <a:rPr lang="en-US" altLang="zh-CN" dirty="0" smtClean="0"/>
+              <a:t>Linux</a:t>
+            </a:r>
+            <a:r>
+              <a:rPr lang="zh-CN" altLang="en-US" dirty="0" smtClean="0"/>
+              <a:t>多线程服务端编程：使用</a:t>
+            </a:r>
+            <a:r>
+              <a:rPr lang="en-US" altLang="zh-CN" dirty="0" err="1" smtClean="0"/>
+              <a:t>muduo</a:t>
+            </a:r>
+            <a:r>
+              <a:rPr lang="en-US" altLang="zh-CN" dirty="0" smtClean="0"/>
+              <a:t> C++</a:t>
+            </a:r>
+            <a:r>
+              <a:rPr lang="zh-CN" altLang="en-US" dirty="0" smtClean="0"/>
+              <a:t>网络库</a:t>
+            </a:r>
+            <a:endParaRPr lang="en-US" altLang="zh-CN" dirty="0" smtClean="0"/>
+          </a:p>
+          <a:p>
+            <a:r>
+              <a:rPr lang="en-US" smtClean="0">
+                <a:hlinkClick r:id="rId3"/>
+              </a:rPr>
+              <a:t>https://github.com/chenshuo/documents</a:t>
+            </a:r>
+            <a:endParaRPr lang="zh-CN" altLang="en-US" dirty="0"/>
+          </a:p>
+        </p:txBody>
+      </p:sp>
+      <p:sp>
+        <p:nvSpPr>
+          <p:cNvPr id="4" name="灯片编号占位符 3"/>
+          <p:cNvSpPr>
+            <a:spLocks noGrp="1"/>
+          </p:cNvSpPr>
+          <p:nvPr>
+            <p:ph type="sldNum" sz="quarter" idx="10"/>
+          </p:nvPr>
+        </p:nvSpPr>
+        <p:spPr/>
+        <p:txBody>
+          <a:bodyPr/>
+          <a:lstStyle/>
+          <a:p>
+            <a:fld id="{8AF453D5-9B32-8F40-BF12-CF5772967439}" type="slidenum">
+              <a:rPr kumimoji="1" lang="zh-CN" altLang="en-US" smtClean="0"/>
+              <a:pPr/>
+              <a:t>12</a:t>
             </a:fld>
             <a:endParaRPr kumimoji="1" lang="zh-CN" altLang="en-US"/>
           </a:p>
@@ -1597,7 +1697,7 @@
           <a:blip r:embed="rId2">
             <a:extLst>
               <a:ext uri="{28A0092B-C50C-407E-A947-70E740481C1C}">
-                <a14:useLocalDpi xmlns:a14="http://schemas.microsoft.com/office/drawing/2010/main" xmlns="" val="0"/>
+                <a14:useLocalDpi xmlns="" xmlns:a14="http://schemas.microsoft.com/office/drawing/2010/main" val="0"/>
               </a:ext>
             </a:extLst>
           </a:blip>
@@ -1886,7 +1986,7 @@
           <a:blip r:embed="rId3">
             <a:extLst>
               <a:ext uri="{28A0092B-C50C-407E-A947-70E740481C1C}">
-                <a14:useLocalDpi xmlns:a14="http://schemas.microsoft.com/office/drawing/2010/main" xmlns="" val="0"/>
+                <a14:useLocalDpi xmlns="" xmlns:a14="http://schemas.microsoft.com/office/drawing/2010/main" val="0"/>
               </a:ext>
             </a:extLst>
           </a:blip>
@@ -2182,7 +2282,7 @@
           <a:blip r:embed="rId2">
             <a:extLst>
               <a:ext uri="{28A0092B-C50C-407E-A947-70E740481C1C}">
-                <a14:useLocalDpi xmlns:a14="http://schemas.microsoft.com/office/drawing/2010/main" xmlns="" val="0"/>
+                <a14:useLocalDpi xmlns="" xmlns:a14="http://schemas.microsoft.com/office/drawing/2010/main" val="0"/>
               </a:ext>
             </a:extLst>
           </a:blip>
@@ -2212,7 +2312,7 @@
           <a:blip r:embed="rId3">
             <a:extLst>
               <a:ext uri="{28A0092B-C50C-407E-A947-70E740481C1C}">
-                <a14:useLocalDpi xmlns:a14="http://schemas.microsoft.com/office/drawing/2010/main" xmlns="" val="0"/>
+                <a14:useLocalDpi xmlns="" xmlns:a14="http://schemas.microsoft.com/office/drawing/2010/main" val="0"/>
               </a:ext>
             </a:extLst>
           </a:blip>
@@ -2484,7 +2584,7 @@
           <a:blip r:embed="rId2">
             <a:extLst>
               <a:ext uri="{28A0092B-C50C-407E-A947-70E740481C1C}">
-                <a14:useLocalDpi xmlns:a14="http://schemas.microsoft.com/office/drawing/2010/main" xmlns="" val="0"/>
+                <a14:useLocalDpi xmlns="" xmlns:a14="http://schemas.microsoft.com/office/drawing/2010/main" val="0"/>
               </a:ext>
             </a:extLst>
           </a:blip>
@@ -2514,7 +2614,7 @@
           <a:blip r:embed="rId3">
             <a:extLst>
               <a:ext uri="{28A0092B-C50C-407E-A947-70E740481C1C}">
-                <a14:useLocalDpi xmlns:a14="http://schemas.microsoft.com/office/drawing/2010/main" xmlns="" val="0"/>
+                <a14:useLocalDpi xmlns="" xmlns:a14="http://schemas.microsoft.com/office/drawing/2010/main" val="0"/>
               </a:ext>
             </a:extLst>
           </a:blip>
@@ -2850,7 +2950,7 @@
           <a:blip r:embed="rId2">
             <a:extLst>
               <a:ext uri="{28A0092B-C50C-407E-A947-70E740481C1C}">
-                <a14:useLocalDpi xmlns:a14="http://schemas.microsoft.com/office/drawing/2010/main" xmlns="" val="0"/>
+                <a14:useLocalDpi xmlns="" xmlns:a14="http://schemas.microsoft.com/office/drawing/2010/main" val="0"/>
               </a:ext>
             </a:extLst>
           </a:blip>
@@ -2880,7 +2980,7 @@
           <a:blip r:embed="rId3">
             <a:extLst>
               <a:ext uri="{28A0092B-C50C-407E-A947-70E740481C1C}">
-                <a14:useLocalDpi xmlns:a14="http://schemas.microsoft.com/office/drawing/2010/main" xmlns="" val="0"/>
+                <a14:useLocalDpi xmlns="" xmlns:a14="http://schemas.microsoft.com/office/drawing/2010/main" val="0"/>
               </a:ext>
             </a:extLst>
           </a:blip>
@@ -3195,7 +3295,7 @@
           <a:blip r:embed="rId2">
             <a:extLst>
               <a:ext uri="{28A0092B-C50C-407E-A947-70E740481C1C}">
-                <a14:useLocalDpi xmlns:a14="http://schemas.microsoft.com/office/drawing/2010/main" xmlns="" val="0"/>
+                <a14:useLocalDpi xmlns="" xmlns:a14="http://schemas.microsoft.com/office/drawing/2010/main" val="0"/>
               </a:ext>
             </a:extLst>
           </a:blip>
@@ -3225,7 +3325,7 @@
           <a:blip r:embed="rId3">
             <a:extLst>
               <a:ext uri="{28A0092B-C50C-407E-A947-70E740481C1C}">
-                <a14:useLocalDpi xmlns:a14="http://schemas.microsoft.com/office/drawing/2010/main" xmlns="" val="0"/>
+                <a14:useLocalDpi xmlns="" xmlns:a14="http://schemas.microsoft.com/office/drawing/2010/main" val="0"/>
               </a:ext>
             </a:extLst>
           </a:blip>
@@ -3417,7 +3517,7 @@
             <a:fld id="{7BC3C6E0-25AE-8A44-A617-CADD813DE539}" type="datetime1">
               <a:rPr lang="zh-CN" altLang="en-US" smtClean="0"/>
               <a:pPr/>
-              <a:t>2019/12/31</a:t>
+              <a:t>2020/1/3</a:t>
             </a:fld>
             <a:endParaRPr lang="zh-CN" altLang="en-US" dirty="0"/>
           </a:p>
@@ -3641,7 +3741,7 @@
           <a:blip r:embed="rId2">
             <a:extLst>
               <a:ext uri="{28A0092B-C50C-407E-A947-70E740481C1C}">
-                <a14:useLocalDpi xmlns:a14="http://schemas.microsoft.com/office/drawing/2010/main" xmlns="" val="0"/>
+                <a14:useLocalDpi xmlns="" xmlns:a14="http://schemas.microsoft.com/office/drawing/2010/main" val="0"/>
               </a:ext>
             </a:extLst>
           </a:blip>
@@ -3827,7 +3927,7 @@
             <a:fld id="{B8DE94C4-0AC0-E74D-83DE-D1778C094258}" type="datetime1">
               <a:rPr lang="zh-CN" altLang="en-US" smtClean="0"/>
               <a:pPr/>
-              <a:t>2019/12/31</a:t>
+              <a:t>2020/1/3</a:t>
             </a:fld>
             <a:endParaRPr lang="zh-CN" altLang="en-US" dirty="0"/>
           </a:p>
@@ -4719,6 +4819,94 @@
 </file>
 
 <file path=ppt/slides/slide13.xml><?xml version="1.0" encoding="utf-8"?>
+<p:sld xmlns:a="http://schemas.openxmlformats.org/drawingml/2006/main" xmlns:r="http://schemas.openxmlformats.org/officeDocument/2006/relationships" xmlns:p="http://schemas.openxmlformats.org/presentationml/2006/main">
+  <p:cSld>
+    <p:spTree>
+      <p:nvGrpSpPr>
+        <p:cNvPr id="1" name=""/>
+        <p:cNvGrpSpPr/>
+        <p:nvPr/>
+      </p:nvGrpSpPr>
+      <p:grpSpPr>
+        <a:xfrm>
+          <a:off x="0" y="0"/>
+          <a:ext cx="0" cy="0"/>
+          <a:chOff x="0" y="0"/>
+          <a:chExt cx="0" cy="0"/>
+        </a:xfrm>
+      </p:grpSpPr>
+      <p:sp>
+        <p:nvSpPr>
+          <p:cNvPr id="2" name="内容占位符 1"/>
+          <p:cNvSpPr>
+            <a:spLocks noGrp="1"/>
+          </p:cNvSpPr>
+          <p:nvPr>
+            <p:ph idx="1"/>
+          </p:nvPr>
+        </p:nvSpPr>
+        <p:spPr/>
+        <p:txBody>
+          <a:bodyPr/>
+          <a:lstStyle/>
+          <a:p>
+            <a:r>
+              <a:rPr altLang="en-US" dirty="0" smtClean="0"/>
+              <a:t>如果引用基数没看明白，不要看特殊情况循环引用。第一关不过，就看第二关找死</a:t>
+            </a:r>
+            <a:endParaRPr lang="en-US" altLang="en-US" dirty="0" smtClean="0"/>
+          </a:p>
+          <a:p>
+            <a:r>
+              <a:rPr altLang="en-US" dirty="0" smtClean="0"/>
+              <a:t>弱指针</a:t>
+            </a:r>
+            <a:endParaRPr lang="en-US" altLang="en-US" dirty="0" smtClean="0"/>
+          </a:p>
+          <a:p>
+            <a:r>
+              <a:rPr altLang="en-US" dirty="0" smtClean="0"/>
+              <a:t>观察者模式</a:t>
+            </a:r>
+            <a:endParaRPr lang="en-US" altLang="en-US" dirty="0" smtClean="0"/>
+          </a:p>
+          <a:p>
+            <a:endParaRPr lang="zh-CN" altLang="en-US" dirty="0"/>
+          </a:p>
+        </p:txBody>
+      </p:sp>
+      <p:sp>
+        <p:nvSpPr>
+          <p:cNvPr id="3" name="标题 2"/>
+          <p:cNvSpPr>
+            <a:spLocks noGrp="1"/>
+          </p:cNvSpPr>
+          <p:nvPr>
+            <p:ph type="title"/>
+          </p:nvPr>
+        </p:nvSpPr>
+        <p:spPr/>
+        <p:txBody>
+          <a:bodyPr/>
+          <a:lstStyle/>
+          <a:p>
+            <a:r>
+              <a:rPr lang="zh-CN" altLang="en-US" dirty="0" smtClean="0"/>
+              <a:t>引用基数的智能指针</a:t>
+            </a:r>
+            <a:endParaRPr lang="zh-CN" altLang="en-US" dirty="0"/>
+          </a:p>
+        </p:txBody>
+      </p:sp>
+    </p:spTree>
+  </p:cSld>
+  <p:clrMapOvr>
+    <a:masterClrMapping/>
+  </p:clrMapOvr>
+</p:sld>
+</file>
+
+<file path=ppt/slides/slide14.xml><?xml version="1.0" encoding="utf-8"?>
 <p:sld xmlns:a="http://schemas.openxmlformats.org/drawingml/2006/main" xmlns:r="http://schemas.openxmlformats.org/officeDocument/2006/relationships" xmlns:p="http://schemas.openxmlformats.org/presentationml/2006/main">
   <p:cSld>
     <p:spTree>
@@ -6657,7 +6845,7 @@
   <a:extraClrSchemeLst/>
   <a:extLst>
     <a:ext uri="{05A4C25C-085E-4340-85A3-A5531E510DB2}">
-      <thm15:themeFamily xmlns="" xmlns:thm15="http://schemas.microsoft.com/office/thememl/2012/main" name="Office Theme" id="{62F939B6-93AF-4DB8-9C6B-D6C7DFDC589F}" vid="{4A3C46E8-61CC-4603-A589-7422A47A8E4A}"/>
+      <thm15:themeFamily xmlns:thm15="http://schemas.microsoft.com/office/thememl/2012/main" xmlns="" name="Office Theme" id="{62F939B6-93AF-4DB8-9C6B-D6C7DFDC589F}" vid="{4A3C46E8-61CC-4603-A589-7422A47A8E4A}"/>
     </a:ext>
   </a:extLst>
 </a:theme>
@@ -6918,7 +7106,7 @@
   <a:extraClrSchemeLst/>
   <a:extLst>
     <a:ext uri="{05A4C25C-085E-4340-85A3-A5531E510DB2}">
-      <thm15:themeFamily xmlns="" xmlns:thm15="http://schemas.microsoft.com/office/thememl/2012/main" name="Office Theme" id="{62F939B6-93AF-4DB8-9C6B-D6C7DFDC589F}" vid="{4A3C46E8-61CC-4603-A589-7422A47A8E4A}"/>
+      <thm15:themeFamily xmlns:thm15="http://schemas.microsoft.com/office/thememl/2012/main" xmlns="" name="Office Theme" id="{62F939B6-93AF-4DB8-9C6B-D6C7DFDC589F}" vid="{4A3C46E8-61CC-4603-A589-7422A47A8E4A}"/>
     </a:ext>
   </a:extLst>
 </a:theme>

--- a/KM/ppt/2019_c++_index.pptx
+++ b/KM/ppt/2019_c++_index.pptx
@@ -5,10 +5,10 @@
     <p:sldMasterId id="2147483648" r:id="rId1"/>
   </p:sldMasterIdLst>
   <p:notesMasterIdLst>
-    <p:notesMasterId r:id="rId16"/>
+    <p:notesMasterId r:id="rId17"/>
   </p:notesMasterIdLst>
   <p:handoutMasterIdLst>
-    <p:handoutMasterId r:id="rId17"/>
+    <p:handoutMasterId r:id="rId18"/>
   </p:handoutMasterIdLst>
   <p:sldIdLst>
     <p:sldId id="273" r:id="rId2"/>
@@ -24,7 +24,8 @@
     <p:sldId id="282" r:id="rId12"/>
     <p:sldId id="283" r:id="rId13"/>
     <p:sldId id="287" r:id="rId14"/>
-    <p:sldId id="277" r:id="rId15"/>
+    <p:sldId id="288" r:id="rId15"/>
+    <p:sldId id="277" r:id="rId16"/>
   </p:sldIdLst>
   <p:sldSz cx="9144000" cy="5143500" type="screen16x9"/>
   <p:notesSz cx="6858000" cy="9144000"/>
@@ -209,7 +210,7 @@
             <a:fld id="{5F920F0F-0E56-2B45-B1BF-268524318682}" type="datetimeFigureOut">
               <a:rPr kumimoji="1" lang="zh-CN" altLang="en-US" smtClean="0"/>
               <a:pPr/>
-              <a:t>2020/1/3</a:t>
+              <a:t>2020/1/15</a:t>
             </a:fld>
             <a:endParaRPr kumimoji="1" lang="zh-CN" altLang="en-US"/>
           </a:p>
@@ -377,7 +378,7 @@
             <a:fld id="{FB86081A-1E41-D34E-AC33-11FD77CCCD8D}" type="datetimeFigureOut">
               <a:rPr kumimoji="1" lang="zh-CN" altLang="en-US" smtClean="0"/>
               <a:pPr/>
-              <a:t>2020/1/3</a:t>
+              <a:t>2020/1/15</a:t>
             </a:fld>
             <a:endParaRPr kumimoji="1" lang="zh-CN" altLang="en-US"/>
           </a:p>
@@ -3517,7 +3518,7 @@
             <a:fld id="{7BC3C6E0-25AE-8A44-A617-CADD813DE539}" type="datetime1">
               <a:rPr lang="zh-CN" altLang="en-US" smtClean="0"/>
               <a:pPr/>
-              <a:t>2020/1/3</a:t>
+              <a:t>2020/1/15</a:t>
             </a:fld>
             <a:endParaRPr lang="zh-CN" altLang="en-US" dirty="0"/>
           </a:p>
@@ -3927,7 +3928,7 @@
             <a:fld id="{B8DE94C4-0AC0-E74D-83DE-D1778C094258}" type="datetime1">
               <a:rPr lang="zh-CN" altLang="en-US" smtClean="0"/>
               <a:pPr/>
-              <a:t>2020/1/3</a:t>
+              <a:t>2020/1/15</a:t>
             </a:fld>
             <a:endParaRPr lang="zh-CN" altLang="en-US" dirty="0"/>
           </a:p>
@@ -4907,6 +4908,87 @@
 </file>
 
 <file path=ppt/slides/slide14.xml><?xml version="1.0" encoding="utf-8"?>
+<p:sld xmlns:a="http://schemas.openxmlformats.org/drawingml/2006/main" xmlns:r="http://schemas.openxmlformats.org/officeDocument/2006/relationships" xmlns:p="http://schemas.openxmlformats.org/presentationml/2006/main">
+  <p:cSld>
+    <p:spTree>
+      <p:nvGrpSpPr>
+        <p:cNvPr id="1" name=""/>
+        <p:cNvGrpSpPr/>
+        <p:nvPr/>
+      </p:nvGrpSpPr>
+      <p:grpSpPr>
+        <a:xfrm>
+          <a:off x="0" y="0"/>
+          <a:ext cx="0" cy="0"/>
+          <a:chOff x="0" y="0"/>
+          <a:chExt cx="0" cy="0"/>
+        </a:xfrm>
+      </p:grpSpPr>
+      <p:sp>
+        <p:nvSpPr>
+          <p:cNvPr id="2" name="内容占位符 1"/>
+          <p:cNvSpPr>
+            <a:spLocks noGrp="1"/>
+          </p:cNvSpPr>
+          <p:nvPr>
+            <p:ph idx="1"/>
+          </p:nvPr>
+        </p:nvSpPr>
+        <p:spPr/>
+        <p:txBody>
+          <a:bodyPr/>
+          <a:lstStyle/>
+          <a:p>
+            <a:r>
+              <a:rPr b="1" dirty="0"/>
+              <a:t>：你所用到的几种设计模式，并简单说下？</a:t>
+            </a:r>
+          </a:p>
+          <a:p>
+            <a:endParaRPr lang="zh-CN" altLang="en-US" dirty="0"/>
+          </a:p>
+        </p:txBody>
+      </p:sp>
+      <p:sp>
+        <p:nvSpPr>
+          <p:cNvPr id="3" name="标题 2"/>
+          <p:cNvSpPr>
+            <a:spLocks noGrp="1"/>
+          </p:cNvSpPr>
+          <p:nvPr>
+            <p:ph type="title"/>
+          </p:nvPr>
+        </p:nvSpPr>
+        <p:spPr/>
+        <p:txBody>
+          <a:bodyPr/>
+          <a:lstStyle/>
+          <a:p>
+            <a:r>
+              <a:rPr lang="zh-CN" altLang="en-US" dirty="0" smtClean="0"/>
+              <a:t>设计模式 </a:t>
+            </a:r>
+            <a:r>
+              <a:rPr lang="en-US" altLang="zh-CN" dirty="0" smtClean="0"/>
+              <a:t>–</a:t>
+            </a:r>
+            <a:r>
+              <a:rPr lang="zh-CN" altLang="en-US" smtClean="0"/>
+              <a:t>进行中</a:t>
+            </a:r>
+            <a:endParaRPr lang="zh-CN" altLang="en-US" dirty="0"/>
+          </a:p>
+        </p:txBody>
+      </p:sp>
+    </p:spTree>
+  </p:cSld>
+  <p:clrMapOvr>
+    <a:masterClrMapping/>
+  </p:clrMapOvr>
+</p:sld>
+</file>
+
+<file path=ppt/slides/slide15.xml><?xml version="1.0" encoding="utf-8"?>
 <p:sld xmlns:a="http://schemas.openxmlformats.org/drawingml/2006/main" xmlns:r="http://schemas.openxmlformats.org/officeDocument/2006/relationships" xmlns:p="http://schemas.openxmlformats.org/presentationml/2006/main">
   <p:cSld>
     <p:spTree>
